--- a/Architecture.pptx
+++ b/Architecture.pptx
@@ -5109,11 +5109,19 @@
             <a:pPr lvl="1"/>
             <a:r>
               <a:rPr lang="en-US" dirty="0" err="1"/>
-              <a:t>Architecture.ppt</a:t>
+              <a:t>Architecture</a:t>
+            </a:r>
+            <a:r>
+              <a:rPr lang="en-US" err="1"/>
+              <a:t>.</a:t>
+            </a:r>
+            <a:r>
+              <a:rPr lang="en-US"/>
+              <a:t>pptx </a:t>
             </a:r>
             <a:r>
               <a:rPr lang="en-US" dirty="0"/>
-              <a:t> &amp; README</a:t>
+              <a:t>&amp; README</a:t>
             </a:r>
           </a:p>
           <a:p>
